--- a/ppt/css3/css3.pptx
+++ b/ppt/css3/css3.pptx
@@ -5,10 +5,10 @@
     <p:sldMasterId id="2147483648" r:id="rId2"/>
   </p:sldMasterIdLst>
   <p:notesMasterIdLst>
-    <p:notesMasterId r:id="rId8"/>
+    <p:notesMasterId r:id="rId9"/>
   </p:notesMasterIdLst>
   <p:handoutMasterIdLst>
-    <p:handoutMasterId r:id="rId9"/>
+    <p:handoutMasterId r:id="rId10"/>
   </p:handoutMasterIdLst>
   <p:sldIdLst>
     <p:sldId id="256" r:id="rId3"/>
@@ -16,6 +16,7 @@
     <p:sldId id="266" r:id="rId5"/>
     <p:sldId id="267" r:id="rId6"/>
     <p:sldId id="268" r:id="rId7"/>
+    <p:sldId id="269" r:id="rId8"/>
   </p:sldIdLst>
   <p:sldSz cx="12192000" cy="6858000"/>
   <p:notesSz cx="6858000" cy="9144000"/>
@@ -4553,9 +4554,122 @@
           <a:lstStyle/>
           <a:p>
             <a:r>
-              <a:rPr lang="en-US" altLang="zh-CN" smtClean="0"/>
-              <a:t>border-image</a:t>
-            </a:r>
+              <a:rPr lang="en-US" altLang="zh-CN" dirty="0" smtClean="0"/>
+              <a:t>border-image:</a:t>
+            </a:r>
+          </a:p>
+          <a:p>
+            <a:r>
+              <a:rPr lang="en-US" altLang="zh-CN" dirty="0" smtClean="0"/>
+              <a:t>border-image-source </a:t>
+            </a:r>
+            <a:r>
+              <a:rPr lang="en-US" altLang="zh-CN" dirty="0"/>
+              <a:t> </a:t>
+            </a:r>
+            <a:r>
+              <a:rPr lang="zh-CN" altLang="en-US" sz="1600" dirty="0"/>
+              <a:t>边框图片位置</a:t>
+            </a:r>
+            <a:endParaRPr lang="en-US" altLang="zh-CN" sz="1600" dirty="0"/>
+          </a:p>
+          <a:p>
+            <a:r>
+              <a:rPr lang="en-US" altLang="zh-CN" dirty="0" smtClean="0"/>
+              <a:t>border-image-repeat</a:t>
+            </a:r>
+            <a:r>
+              <a:rPr lang="en-US" altLang="zh-CN" dirty="0"/>
+              <a:t> </a:t>
+            </a:r>
+            <a:r>
+              <a:rPr lang="zh-CN" altLang="en-US" sz="1600" dirty="0"/>
+              <a:t>图片展现方式 平铺</a:t>
+            </a:r>
+            <a:r>
+              <a:rPr lang="en-US" altLang="zh-CN" sz="1600" dirty="0"/>
+              <a:t>(repeated)</a:t>
+            </a:r>
+            <a:r>
+              <a:rPr lang="zh-CN" altLang="en-US" sz="1600" dirty="0"/>
+              <a:t>、铺满</a:t>
+            </a:r>
+            <a:r>
+              <a:rPr lang="en-US" altLang="zh-CN" sz="1600" dirty="0"/>
+              <a:t>(rounded)</a:t>
+            </a:r>
+            <a:r>
+              <a:rPr lang="zh-CN" altLang="en-US" sz="1600" dirty="0"/>
+              <a:t>、拉伸</a:t>
+            </a:r>
+            <a:r>
+              <a:rPr lang="en-US" altLang="zh-CN" sz="1600" dirty="0"/>
+              <a:t>(stretched)</a:t>
+            </a:r>
+            <a:r>
+              <a:rPr lang="zh-CN" altLang="en-US" sz="1600" dirty="0"/>
+              <a:t>。</a:t>
+            </a:r>
+            <a:endParaRPr lang="en-US" altLang="zh-CN" sz="1600" dirty="0"/>
+          </a:p>
+          <a:p>
+            <a:r>
+              <a:rPr lang="en-US" altLang="zh-CN" dirty="0" smtClean="0"/>
+              <a:t>border-image-slice</a:t>
+            </a:r>
+            <a:r>
+              <a:rPr lang="en-US" altLang="zh-CN" sz="1600" dirty="0"/>
+              <a:t> </a:t>
+            </a:r>
+            <a:r>
+              <a:rPr lang="en-US" altLang="zh-CN" sz="1600" dirty="0" smtClean="0"/>
+              <a:t>           </a:t>
+            </a:r>
+            <a:r>
+              <a:rPr lang="zh-CN" altLang="en-US" sz="1600" dirty="0" smtClean="0"/>
+              <a:t>上</a:t>
+            </a:r>
+            <a:r>
+              <a:rPr lang="zh-CN" altLang="en-US" sz="1600" dirty="0"/>
+              <a:t>右下左 设置值，没有单位</a:t>
+            </a:r>
+            <a:endParaRPr lang="en-US" altLang="zh-CN" sz="1600" dirty="0"/>
+          </a:p>
+          <a:p>
+            <a:r>
+              <a:rPr lang="en-US" altLang="zh-CN" dirty="0" smtClean="0"/>
+              <a:t>border-image-width           </a:t>
+            </a:r>
+            <a:r>
+              <a:rPr lang="zh-CN" altLang="en-US" sz="1600" dirty="0"/>
+              <a:t>图片</a:t>
+            </a:r>
+            <a:r>
+              <a:rPr lang="zh-CN" altLang="en-US" sz="1600" dirty="0"/>
+              <a:t>边框的宽度</a:t>
+            </a:r>
+            <a:r>
+              <a:rPr lang="zh-CN" altLang="en-US" sz="1600" dirty="0"/>
+              <a:t>。</a:t>
+            </a:r>
+            <a:endParaRPr lang="en-US" altLang="zh-CN" sz="1600" dirty="0"/>
+          </a:p>
+          <a:p>
+            <a:r>
+              <a:rPr lang="en-US" altLang="zh-CN" dirty="0" smtClean="0"/>
+              <a:t>border-image-outset             </a:t>
+            </a:r>
+            <a:r>
+              <a:rPr lang="zh-CN" altLang="en-US" sz="1600" dirty="0"/>
+              <a:t>边框</a:t>
+            </a:r>
+            <a:r>
+              <a:rPr lang="zh-CN" altLang="en-US" sz="1600" dirty="0"/>
+              <a:t>图像区域超出边框的量。</a:t>
+            </a:r>
+            <a:endParaRPr lang="en-US" altLang="zh-CN" sz="1600" dirty="0"/>
+          </a:p>
+          <a:p>
             <a:endParaRPr lang="zh-CN" altLang="en-US" dirty="0"/>
           </a:p>
         </p:txBody>
@@ -4564,6 +4678,193 @@
     <p:extLst>
       <p:ext uri="{BB962C8B-B14F-4D97-AF65-F5344CB8AC3E}">
         <p14:creationId xmlns:p14="http://schemas.microsoft.com/office/powerpoint/2010/main" val="173252699"/>
+      </p:ext>
+    </p:extLst>
+  </p:cSld>
+  <p:clrMapOvr>
+    <a:masterClrMapping/>
+  </p:clrMapOvr>
+  <mc:AlternateContent xmlns:mc="http://schemas.openxmlformats.org/markup-compatibility/2006" xmlns:p14="http://schemas.microsoft.com/office/powerpoint/2010/main">
+    <mc:Choice Requires="p14">
+      <p:transition spd="med" p14:dur="700">
+        <p:fade/>
+      </p:transition>
+    </mc:Choice>
+    <mc:Fallback xmlns="">
+      <p:transition spd="med">
+        <p:fade/>
+      </p:transition>
+    </mc:Fallback>
+  </mc:AlternateContent>
+</p:sld>
+</file>
+
+<file path=ppt/slides/slide6.xml><?xml version="1.0" encoding="utf-8"?>
+<p:sld xmlns:a="http://schemas.openxmlformats.org/drawingml/2006/main" xmlns:r="http://schemas.openxmlformats.org/officeDocument/2006/relationships" xmlns:p="http://schemas.openxmlformats.org/presentationml/2006/main">
+  <p:cSld>
+    <p:spTree>
+      <p:nvGrpSpPr>
+        <p:cNvPr id="1" name=""/>
+        <p:cNvGrpSpPr/>
+        <p:nvPr/>
+      </p:nvGrpSpPr>
+      <p:grpSpPr>
+        <a:xfrm>
+          <a:off x="0" y="0"/>
+          <a:ext cx="0" cy="0"/>
+          <a:chOff x="0" y="0"/>
+          <a:chExt cx="0" cy="0"/>
+        </a:xfrm>
+      </p:grpSpPr>
+      <p:sp>
+        <p:nvSpPr>
+          <p:cNvPr id="2" name="标题 1"/>
+          <p:cNvSpPr>
+            <a:spLocks noGrp="1"/>
+          </p:cNvSpPr>
+          <p:nvPr>
+            <p:ph type="title"/>
+          </p:nvPr>
+        </p:nvSpPr>
+        <p:spPr/>
+        <p:txBody>
+          <a:bodyPr/>
+          <a:lstStyle/>
+          <a:p>
+            <a:r>
+              <a:rPr lang="en-US" altLang="zh-CN" dirty="0" smtClean="0"/>
+              <a:t>border-image</a:t>
+            </a:r>
+            <a:endParaRPr lang="zh-CN" altLang="en-US" dirty="0"/>
+          </a:p>
+        </p:txBody>
+      </p:sp>
+      <p:sp>
+        <p:nvSpPr>
+          <p:cNvPr id="3" name="内容占位符 2"/>
+          <p:cNvSpPr>
+            <a:spLocks noGrp="1"/>
+          </p:cNvSpPr>
+          <p:nvPr>
+            <p:ph idx="1"/>
+          </p:nvPr>
+        </p:nvSpPr>
+        <p:spPr/>
+        <p:txBody>
+          <a:bodyPr>
+            <a:normAutofit/>
+          </a:bodyPr>
+          <a:lstStyle/>
+          <a:p>
+            <a:pPr marL="685800" lvl="2" indent="0">
+              <a:buNone/>
+            </a:pPr>
+            <a:endParaRPr lang="en-US" altLang="zh-CN" dirty="0" smtClean="0"/>
+          </a:p>
+          <a:p>
+            <a:pPr lvl="1"/>
+            <a:r>
+              <a:rPr lang="en-US" altLang="zh-CN" dirty="0"/>
+              <a:t>.border-image {</a:t>
+            </a:r>
+          </a:p>
+          <a:p>
+            <a:pPr lvl="2"/>
+            <a:r>
+              <a:rPr lang="en-US" altLang="zh-CN" dirty="0"/>
+              <a:t>border: 15px dashed transparent;</a:t>
+            </a:r>
+          </a:p>
+          <a:p>
+            <a:pPr lvl="2"/>
+            <a:r>
+              <a:rPr lang="en-US" altLang="zh-CN" dirty="0"/>
+              <a:t>border-image-source: </a:t>
+            </a:r>
+            <a:r>
+              <a:rPr lang="en-US" altLang="zh-CN" dirty="0" err="1"/>
+              <a:t>url</a:t>
+            </a:r>
+            <a:r>
+              <a:rPr lang="en-US" altLang="zh-CN" dirty="0"/>
+              <a:t>(</a:t>
+            </a:r>
+            <a:r>
+              <a:rPr lang="en-US" altLang="zh-CN" u="sng" dirty="0">
+                <a:hlinkClick r:id="rId2"/>
+              </a:rPr>
+              <a:t>../images/</a:t>
+            </a:r>
+            <a:r>
+              <a:rPr lang="en-US" altLang="zh-CN" u="sng" dirty="0" err="1">
+                <a:hlinkClick r:id="rId2"/>
+              </a:rPr>
+              <a:t>biubiu</a:t>
+            </a:r>
+            <a:r>
+              <a:rPr lang="en-US" altLang="zh-CN" u="sng" dirty="0">
+                <a:hlinkClick r:id="rId2"/>
+              </a:rPr>
+              <a:t>/border.png</a:t>
+            </a:r>
+            <a:r>
+              <a:rPr lang="en-US" altLang="zh-CN" dirty="0"/>
+              <a:t>);</a:t>
+            </a:r>
+          </a:p>
+          <a:p>
+            <a:pPr lvl="2"/>
+            <a:r>
+              <a:rPr lang="en-US" altLang="zh-CN" dirty="0"/>
+              <a:t>border-image-repeat: round;</a:t>
+            </a:r>
+          </a:p>
+          <a:p>
+            <a:pPr lvl="2"/>
+            <a:r>
+              <a:rPr lang="en-US" altLang="zh-CN" dirty="0"/>
+              <a:t>border-image-slice: 30 30 30 30;</a:t>
+            </a:r>
+          </a:p>
+          <a:p>
+            <a:pPr lvl="2"/>
+            <a:r>
+              <a:rPr lang="en-US" altLang="zh-CN" dirty="0"/>
+              <a:t>border-image-width: 1;</a:t>
+            </a:r>
+          </a:p>
+          <a:p>
+            <a:pPr lvl="2"/>
+            <a:r>
+              <a:rPr lang="en-US" altLang="zh-CN" dirty="0"/>
+              <a:t>border-image-outset: 0;</a:t>
+            </a:r>
+          </a:p>
+          <a:p>
+            <a:pPr lvl="1"/>
+            <a:r>
+              <a:rPr lang="en-US" altLang="zh-CN" dirty="0"/>
+              <a:t>}</a:t>
+            </a:r>
+          </a:p>
+          <a:p>
+            <a:pPr lvl="2"/>
+            <a:endParaRPr lang="en-US" altLang="zh-CN" dirty="0"/>
+          </a:p>
+          <a:p>
+            <a:pPr lvl="1"/>
+            <a:endParaRPr lang="en-US" altLang="zh-CN" dirty="0" smtClean="0"/>
+          </a:p>
+          <a:p>
+            <a:pPr lvl="1"/>
+            <a:endParaRPr lang="en-US" altLang="zh-CN" dirty="0"/>
+          </a:p>
+        </p:txBody>
+      </p:sp>
+    </p:spTree>
+    <p:extLst>
+      <p:ext uri="{BB962C8B-B14F-4D97-AF65-F5344CB8AC3E}">
+        <p14:creationId xmlns:p14="http://schemas.microsoft.com/office/powerpoint/2010/main" val="3985522715"/>
       </p:ext>
     </p:extLst>
   </p:cSld>

--- a/ppt/css3/css3.pptx
+++ b/ppt/css3/css3.pptx
@@ -5,18 +5,20 @@
     <p:sldMasterId id="2147483648" r:id="rId2"/>
   </p:sldMasterIdLst>
   <p:notesMasterIdLst>
-    <p:notesMasterId r:id="rId9"/>
+    <p:notesMasterId r:id="rId11"/>
   </p:notesMasterIdLst>
   <p:handoutMasterIdLst>
-    <p:handoutMasterId r:id="rId10"/>
+    <p:handoutMasterId r:id="rId12"/>
   </p:handoutMasterIdLst>
   <p:sldIdLst>
     <p:sldId id="256" r:id="rId3"/>
-    <p:sldId id="265" r:id="rId4"/>
-    <p:sldId id="266" r:id="rId5"/>
-    <p:sldId id="267" r:id="rId6"/>
-    <p:sldId id="268" r:id="rId7"/>
-    <p:sldId id="269" r:id="rId8"/>
+    <p:sldId id="270" r:id="rId4"/>
+    <p:sldId id="265" r:id="rId5"/>
+    <p:sldId id="266" r:id="rId6"/>
+    <p:sldId id="267" r:id="rId7"/>
+    <p:sldId id="268" r:id="rId8"/>
+    <p:sldId id="269" r:id="rId9"/>
+    <p:sldId id="271" r:id="rId10"/>
   </p:sldIdLst>
   <p:sldSz cx="12192000" cy="6858000"/>
   <p:notesSz cx="6858000" cy="9144000"/>
@@ -208,7 +210,7 @@
           <a:p>
             <a:fld id="{20EA5F0D-C1DC-412F-A146-DDB3A74B588F}" type="datetimeFigureOut">
               <a:rPr lang="en-US" altLang="zh-CN"/>
-              <a:t>11/28/2016</a:t>
+              <a:t>11/29/2016</a:t>
             </a:fld>
             <a:endParaRPr lang="zh-CN"/>
           </a:p>
@@ -372,7 +374,7 @@
           </a:lstStyle>
           <a:p>
             <a:fld id="{A8CDE508-72C8-4AB5-AA9C-1584D31690E0}" type="datetimeFigureOut">
-              <a:t>2016/11/28</a:t>
+              <a:t>2016/11/29</a:t>
             </a:fld>
             <a:endParaRPr lang="zh-CN"/>
           </a:p>
@@ -987,7 +989,7 @@
           <a:lstStyle/>
           <a:p>
             <a:fld id="{9E583DDF-CA54-461A-A486-592D2374C532}" type="datetimeFigureOut">
-              <a:t>2016/11/28</a:t>
+              <a:t>2016/11/29</a:t>
             </a:fld>
             <a:endParaRPr lang="zh-CN"/>
           </a:p>
@@ -1177,7 +1179,7 @@
           <a:lstStyle/>
           <a:p>
             <a:fld id="{9E583DDF-CA54-461A-A486-592D2374C532}" type="datetimeFigureOut">
-              <a:t>2016/11/28</a:t>
+              <a:t>2016/11/29</a:t>
             </a:fld>
             <a:endParaRPr lang="zh-CN"/>
           </a:p>
@@ -1357,7 +1359,7 @@
           <a:lstStyle/>
           <a:p>
             <a:fld id="{9E583DDF-CA54-461A-A486-592D2374C532}" type="datetimeFigureOut">
-              <a:t>2016/11/28</a:t>
+              <a:t>2016/11/29</a:t>
             </a:fld>
             <a:endParaRPr lang="zh-CN"/>
           </a:p>
@@ -1668,7 +1670,7 @@
           <a:lstStyle/>
           <a:p>
             <a:fld id="{9E583DDF-CA54-461A-A486-592D2374C532}" type="datetimeFigureOut">
-              <a:t>2016/11/28</a:t>
+              <a:t>2016/11/29</a:t>
             </a:fld>
             <a:endParaRPr lang="zh-CN"/>
           </a:p>
@@ -1975,7 +1977,7 @@
           <a:lstStyle/>
           <a:p>
             <a:fld id="{0A879FD0-C37A-4F50-8F3B-5FA0D9D0B42F}" type="datetimeFigureOut">
-              <a:t>2016/11/28</a:t>
+              <a:t>2016/11/29</a:t>
             </a:fld>
             <a:endParaRPr lang="zh-CN"/>
           </a:p>
@@ -2429,7 +2431,7 @@
           <a:lstStyle/>
           <a:p>
             <a:fld id="{9E583DDF-CA54-461A-A486-592D2374C532}" type="datetimeFigureOut">
-              <a:t>2016/11/28</a:t>
+              <a:t>2016/11/29</a:t>
             </a:fld>
             <a:endParaRPr lang="zh-CN"/>
           </a:p>
@@ -2564,7 +2566,7 @@
           <a:lstStyle/>
           <a:p>
             <a:fld id="{9E583DDF-CA54-461A-A486-592D2374C532}" type="datetimeFigureOut">
-              <a:t>2016/11/28</a:t>
+              <a:t>2016/11/29</a:t>
             </a:fld>
             <a:endParaRPr lang="zh-CN"/>
           </a:p>
@@ -2714,7 +2716,7 @@
           <a:lstStyle/>
           <a:p>
             <a:fld id="{9E583DDF-CA54-461A-A486-592D2374C532}" type="datetimeFigureOut">
-              <a:t>2016/11/28</a:t>
+              <a:t>2016/11/29</a:t>
             </a:fld>
             <a:endParaRPr lang="zh-CN"/>
           </a:p>
@@ -3010,7 +3012,7 @@
           <a:lstStyle/>
           <a:p>
             <a:fld id="{9E583DDF-CA54-461A-A486-592D2374C532}" type="datetimeFigureOut">
-              <a:t>2016/11/28</a:t>
+              <a:t>2016/11/29</a:t>
             </a:fld>
             <a:endParaRPr lang="zh-CN"/>
           </a:p>
@@ -3294,7 +3296,7 @@
           <a:lstStyle/>
           <a:p>
             <a:fld id="{9E583DDF-CA54-461A-A486-592D2374C532}" type="datetimeFigureOut">
-              <a:t>2016/11/28</a:t>
+              <a:t>2016/11/29</a:t>
             </a:fld>
             <a:endParaRPr lang="zh-CN"/>
           </a:p>
@@ -3567,7 +3569,7 @@
             <a:fld id="{9E583DDF-CA54-461A-A486-592D2374C532}" type="datetimeFigureOut">
               <a:rPr lang="en-US" altLang="zh-CN" smtClean="0"/>
               <a:pPr/>
-              <a:t>11/28/2016</a:t>
+              <a:t>11/29/2016</a:t>
             </a:fld>
             <a:endParaRPr lang="zh-CN" altLang="en-US"/>
           </a:p>
@@ -4113,6 +4115,131 @@
       </p:grpSpPr>
       <p:sp>
         <p:nvSpPr>
+          <p:cNvPr id="2" name="标题 1"/>
+          <p:cNvSpPr>
+            <a:spLocks noGrp="1"/>
+          </p:cNvSpPr>
+          <p:nvPr>
+            <p:ph type="title"/>
+          </p:nvPr>
+        </p:nvSpPr>
+        <p:spPr/>
+        <p:txBody>
+          <a:bodyPr/>
+          <a:lstStyle/>
+          <a:p>
+            <a:r>
+              <a:rPr lang="zh-CN" altLang="en-US" dirty="0" smtClean="0"/>
+              <a:t>目录</a:t>
+            </a:r>
+            <a:endParaRPr lang="zh-CN" altLang="en-US" dirty="0"/>
+          </a:p>
+        </p:txBody>
+      </p:sp>
+      <p:sp>
+        <p:nvSpPr>
+          <p:cNvPr id="3" name="内容占位符 2"/>
+          <p:cNvSpPr>
+            <a:spLocks noGrp="1"/>
+          </p:cNvSpPr>
+          <p:nvPr>
+            <p:ph idx="1"/>
+          </p:nvPr>
+        </p:nvSpPr>
+        <p:spPr/>
+        <p:txBody>
+          <a:bodyPr/>
+          <a:lstStyle/>
+          <a:p>
+            <a:r>
+              <a:rPr lang="en-US" altLang="zh-CN" dirty="0" smtClean="0"/>
+              <a:t>1</a:t>
+            </a:r>
+            <a:r>
+              <a:rPr lang="zh-CN" altLang="en-US" dirty="0" smtClean="0"/>
+              <a:t>、边框</a:t>
+            </a:r>
+            <a:endParaRPr lang="en-US" altLang="zh-CN" dirty="0" smtClean="0"/>
+          </a:p>
+          <a:p>
+            <a:r>
+              <a:rPr lang="en-US" altLang="zh-CN" dirty="0" smtClean="0"/>
+              <a:t>2</a:t>
+            </a:r>
+            <a:r>
+              <a:rPr lang="zh-CN" altLang="en-US" dirty="0" smtClean="0"/>
+              <a:t>、背景</a:t>
+            </a:r>
+            <a:endParaRPr lang="en-US" altLang="zh-CN" dirty="0" smtClean="0"/>
+          </a:p>
+          <a:p>
+            <a:r>
+              <a:rPr lang="en-US" altLang="zh-CN" dirty="0" smtClean="0"/>
+              <a:t>3</a:t>
+            </a:r>
+            <a:r>
+              <a:rPr lang="zh-CN" altLang="en-US" dirty="0" smtClean="0"/>
+              <a:t>、文本</a:t>
+            </a:r>
+            <a:endParaRPr lang="en-US" altLang="zh-CN" dirty="0" smtClean="0"/>
+          </a:p>
+          <a:p>
+            <a:r>
+              <a:rPr lang="en-US" altLang="zh-CN" dirty="0" smtClean="0"/>
+              <a:t>4</a:t>
+            </a:r>
+            <a:r>
+              <a:rPr lang="zh-CN" altLang="en-US" dirty="0" smtClean="0"/>
+              <a:t>、字体</a:t>
+            </a:r>
+            <a:endParaRPr lang="zh-CN" altLang="en-US" dirty="0"/>
+          </a:p>
+        </p:txBody>
+      </p:sp>
+    </p:spTree>
+    <p:extLst>
+      <p:ext uri="{BB962C8B-B14F-4D97-AF65-F5344CB8AC3E}">
+        <p14:creationId xmlns:p14="http://schemas.microsoft.com/office/powerpoint/2010/main" val="3140846756"/>
+      </p:ext>
+    </p:extLst>
+  </p:cSld>
+  <p:clrMapOvr>
+    <a:masterClrMapping/>
+  </p:clrMapOvr>
+  <mc:AlternateContent xmlns:mc="http://schemas.openxmlformats.org/markup-compatibility/2006" xmlns:p14="http://schemas.microsoft.com/office/powerpoint/2010/main">
+    <mc:Choice Requires="p14">
+      <p:transition spd="med" p14:dur="700">
+        <p:fade/>
+      </p:transition>
+    </mc:Choice>
+    <mc:Fallback xmlns="">
+      <p:transition spd="med">
+        <p:fade/>
+      </p:transition>
+    </mc:Fallback>
+  </mc:AlternateContent>
+</p:sld>
+</file>
+
+<file path=ppt/slides/slide3.xml><?xml version="1.0" encoding="utf-8"?>
+<p:sld xmlns:a="http://schemas.openxmlformats.org/drawingml/2006/main" xmlns:r="http://schemas.openxmlformats.org/officeDocument/2006/relationships" xmlns:p="http://schemas.openxmlformats.org/presentationml/2006/main">
+  <p:cSld>
+    <p:spTree>
+      <p:nvGrpSpPr>
+        <p:cNvPr id="1" name=""/>
+        <p:cNvGrpSpPr/>
+        <p:nvPr/>
+      </p:nvGrpSpPr>
+      <p:grpSpPr>
+        <a:xfrm>
+          <a:off x="0" y="0"/>
+          <a:ext cx="0" cy="0"/>
+          <a:chOff x="0" y="0"/>
+          <a:chExt cx="0" cy="0"/>
+        </a:xfrm>
+      </p:grpSpPr>
+      <p:sp>
+        <p:nvSpPr>
           <p:cNvPr id="13" name="标题 12"/>
           <p:cNvSpPr>
             <a:spLocks noGrp="1"/>
@@ -4215,7 +4342,7 @@
 </p:sld>
 </file>
 
-<file path=ppt/slides/slide3.xml><?xml version="1.0" encoding="utf-8"?>
+<file path=ppt/slides/slide4.xml><?xml version="1.0" encoding="utf-8"?>
 <p:sld xmlns:a="http://schemas.openxmlformats.org/drawingml/2006/main" xmlns:r="http://schemas.openxmlformats.org/officeDocument/2006/relationships" xmlns:p="http://schemas.openxmlformats.org/presentationml/2006/main">
   <p:cSld>
     <p:spTree>
@@ -4351,149 +4478,6 @@
 </p:sld>
 </file>
 
-<file path=ppt/slides/slide4.xml><?xml version="1.0" encoding="utf-8"?>
-<p:sld xmlns:a="http://schemas.openxmlformats.org/drawingml/2006/main" xmlns:r="http://schemas.openxmlformats.org/officeDocument/2006/relationships" xmlns:p="http://schemas.openxmlformats.org/presentationml/2006/main">
-  <p:cSld>
-    <p:spTree>
-      <p:nvGrpSpPr>
-        <p:cNvPr id="1" name=""/>
-        <p:cNvGrpSpPr/>
-        <p:nvPr/>
-      </p:nvGrpSpPr>
-      <p:grpSpPr>
-        <a:xfrm>
-          <a:off x="0" y="0"/>
-          <a:ext cx="0" cy="0"/>
-          <a:chOff x="0" y="0"/>
-          <a:chExt cx="0" cy="0"/>
-        </a:xfrm>
-      </p:grpSpPr>
-      <p:sp>
-        <p:nvSpPr>
-          <p:cNvPr id="2" name="标题 1"/>
-          <p:cNvSpPr>
-            <a:spLocks noGrp="1"/>
-          </p:cNvSpPr>
-          <p:nvPr>
-            <p:ph type="title"/>
-          </p:nvPr>
-        </p:nvSpPr>
-        <p:spPr/>
-        <p:txBody>
-          <a:bodyPr/>
-          <a:lstStyle/>
-          <a:p>
-            <a:r>
-              <a:rPr lang="en-US" altLang="zh-CN" dirty="0" smtClean="0"/>
-              <a:t>2</a:t>
-            </a:r>
-            <a:r>
-              <a:rPr lang="zh-CN" altLang="en-US" dirty="0" smtClean="0"/>
-              <a:t>、框阴影</a:t>
-            </a:r>
-            <a:endParaRPr lang="zh-CN" altLang="en-US" dirty="0"/>
-          </a:p>
-        </p:txBody>
-      </p:sp>
-      <p:sp>
-        <p:nvSpPr>
-          <p:cNvPr id="3" name="内容占位符 2"/>
-          <p:cNvSpPr>
-            <a:spLocks noGrp="1"/>
-          </p:cNvSpPr>
-          <p:nvPr>
-            <p:ph idx="1"/>
-          </p:nvPr>
-        </p:nvSpPr>
-        <p:spPr/>
-        <p:txBody>
-          <a:bodyPr/>
-          <a:lstStyle/>
-          <a:p>
-            <a:r>
-              <a:rPr lang="en-US" altLang="zh-CN" dirty="0" smtClean="0"/>
-              <a:t>box-shadow</a:t>
-            </a:r>
-            <a:r>
-              <a:rPr lang="en-US" altLang="zh-CN" dirty="0"/>
-              <a:t>: 10px </a:t>
-            </a:r>
-            <a:r>
-              <a:rPr lang="en-US" altLang="zh-CN" dirty="0" err="1"/>
-              <a:t>10px</a:t>
-            </a:r>
-            <a:r>
-              <a:rPr lang="en-US" altLang="zh-CN" dirty="0"/>
-              <a:t> </a:t>
-            </a:r>
-            <a:r>
-              <a:rPr lang="en-US" altLang="zh-CN" dirty="0" smtClean="0"/>
-              <a:t>5px </a:t>
-            </a:r>
-            <a:r>
-              <a:rPr lang="en-US" altLang="zh-CN" dirty="0" err="1" smtClean="0"/>
-              <a:t>5px</a:t>
-            </a:r>
-            <a:r>
-              <a:rPr lang="en-US" altLang="zh-CN" dirty="0" smtClean="0"/>
-              <a:t> </a:t>
-            </a:r>
-            <a:r>
-              <a:rPr lang="en-US" altLang="zh-CN" dirty="0"/>
-              <a:t>#</a:t>
-            </a:r>
-            <a:r>
-              <a:rPr lang="en-US" altLang="zh-CN" dirty="0" smtClean="0"/>
-              <a:t>888888 inset;  </a:t>
-            </a:r>
-          </a:p>
-          <a:p>
-            <a:pPr lvl="1"/>
-            <a:r>
-              <a:rPr lang="zh-CN" altLang="en-US" sz="1400" dirty="0"/>
-              <a:t>水平</a:t>
-            </a:r>
-            <a:r>
-              <a:rPr lang="zh-CN" altLang="en-US" sz="1400" dirty="0" smtClean="0"/>
-              <a:t>偏移，</a:t>
-            </a:r>
-            <a:r>
-              <a:rPr lang="zh-CN" altLang="en-US" sz="1400" dirty="0"/>
-              <a:t>垂直偏移</a:t>
-            </a:r>
-            <a:r>
-              <a:rPr lang="zh-CN" altLang="en-US" sz="1400" dirty="0" smtClean="0"/>
-              <a:t>，模糊值，阴影大小，阴影颜色，内阴影</a:t>
-            </a:r>
-            <a:endParaRPr lang="zh-CN" altLang="en-US" sz="1400" dirty="0"/>
-          </a:p>
-        </p:txBody>
-      </p:sp>
-    </p:spTree>
-    <p:extLst>
-      <p:ext uri="{BB962C8B-B14F-4D97-AF65-F5344CB8AC3E}">
-        <p14:creationId xmlns:p14="http://schemas.microsoft.com/office/powerpoint/2010/main" val="3972733070"/>
-      </p:ext>
-    </p:extLst>
-  </p:cSld>
-  <p:clrMapOvr>
-    <a:masterClrMapping/>
-  </p:clrMapOvr>
-  <mc:AlternateContent xmlns:mc="http://schemas.openxmlformats.org/markup-compatibility/2006" xmlns:p14="http://schemas.microsoft.com/office/powerpoint/2010/main">
-    <mc:Choice Requires="p14">
-      <p:transition spd="med" p14:dur="700">
-        <p:fade/>
-      </p:transition>
-    </mc:Choice>
-    <mc:Fallback xmlns="">
-      <p:transition spd="med">
-        <p:fade/>
-      </p:transition>
-    </mc:Fallback>
-  </mc:AlternateContent>
-</p:sld>
-</file>
-
 <file path=ppt/slides/slide5.xml><?xml version="1.0" encoding="utf-8"?>
 <p:sld xmlns:a="http://schemas.openxmlformats.org/drawingml/2006/main" xmlns:r="http://schemas.openxmlformats.org/officeDocument/2006/relationships" xmlns:p="http://schemas.openxmlformats.org/presentationml/2006/main">
   <p:cSld>
@@ -4528,11 +4512,11 @@
           <a:p>
             <a:r>
               <a:rPr lang="en-US" altLang="zh-CN" dirty="0" smtClean="0"/>
-              <a:t>3</a:t>
+              <a:t>2</a:t>
             </a:r>
             <a:r>
               <a:rPr lang="zh-CN" altLang="en-US" dirty="0" smtClean="0"/>
-              <a:t>、图片边框</a:t>
+              <a:t>、框阴影</a:t>
             </a:r>
             <a:endParaRPr lang="zh-CN" altLang="en-US" dirty="0"/>
           </a:p>
@@ -4555,129 +4539,67 @@
           <a:p>
             <a:r>
               <a:rPr lang="en-US" altLang="zh-CN" dirty="0" smtClean="0"/>
-              <a:t>border-image:</a:t>
-            </a:r>
-          </a:p>
-          <a:p>
-            <a:r>
-              <a:rPr lang="en-US" altLang="zh-CN" dirty="0" smtClean="0"/>
-              <a:t>border-image-source </a:t>
+              <a:t>box-shadow</a:t>
+            </a:r>
+            <a:r>
+              <a:rPr lang="en-US" altLang="zh-CN" dirty="0"/>
+              <a:t>: 10px </a:t>
+            </a:r>
+            <a:r>
+              <a:rPr lang="en-US" altLang="zh-CN" dirty="0" err="1"/>
+              <a:t>10px</a:t>
             </a:r>
             <a:r>
               <a:rPr lang="en-US" altLang="zh-CN" dirty="0"/>
               <a:t> </a:t>
             </a:r>
             <a:r>
-              <a:rPr lang="zh-CN" altLang="en-US" sz="1600" dirty="0"/>
-              <a:t>边框图片位置</a:t>
-            </a:r>
-            <a:endParaRPr lang="en-US" altLang="zh-CN" sz="1600" dirty="0"/>
-          </a:p>
-          <a:p>
-            <a:r>
               <a:rPr lang="en-US" altLang="zh-CN" dirty="0" smtClean="0"/>
-              <a:t>border-image-repeat</a:t>
+              <a:t>5px </a:t>
+            </a:r>
+            <a:r>
+              <a:rPr lang="en-US" altLang="zh-CN" dirty="0" err="1" smtClean="0"/>
+              <a:t>5px</a:t>
+            </a:r>
+            <a:r>
+              <a:rPr lang="en-US" altLang="zh-CN" dirty="0" smtClean="0"/>
+              <a:t> </a:t>
             </a:r>
             <a:r>
               <a:rPr lang="en-US" altLang="zh-CN" dirty="0"/>
-              <a:t> </a:t>
-            </a:r>
-            <a:r>
-              <a:rPr lang="zh-CN" altLang="en-US" sz="1600" dirty="0"/>
-              <a:t>图片展现方式 平铺</a:t>
-            </a:r>
-            <a:r>
-              <a:rPr lang="en-US" altLang="zh-CN" sz="1600" dirty="0"/>
-              <a:t>(repeated)</a:t>
-            </a:r>
-            <a:r>
-              <a:rPr lang="zh-CN" altLang="en-US" sz="1600" dirty="0"/>
-              <a:t>、铺满</a:t>
-            </a:r>
-            <a:r>
-              <a:rPr lang="en-US" altLang="zh-CN" sz="1600" dirty="0"/>
-              <a:t>(rounded)</a:t>
-            </a:r>
-            <a:r>
-              <a:rPr lang="zh-CN" altLang="en-US" sz="1600" dirty="0"/>
-              <a:t>、拉伸</a:t>
-            </a:r>
-            <a:r>
-              <a:rPr lang="en-US" altLang="zh-CN" sz="1600" dirty="0"/>
-              <a:t>(stretched)</a:t>
-            </a:r>
-            <a:r>
-              <a:rPr lang="zh-CN" altLang="en-US" sz="1600" dirty="0"/>
-              <a:t>。</a:t>
-            </a:r>
-            <a:endParaRPr lang="en-US" altLang="zh-CN" sz="1600" dirty="0"/>
-          </a:p>
-          <a:p>
+              <a:t>#</a:t>
+            </a:r>
             <a:r>
               <a:rPr lang="en-US" altLang="zh-CN" dirty="0" smtClean="0"/>
-              <a:t>border-image-slice</a:t>
-            </a:r>
-            <a:r>
-              <a:rPr lang="en-US" altLang="zh-CN" sz="1600" dirty="0"/>
-              <a:t> </a:t>
-            </a:r>
-            <a:r>
-              <a:rPr lang="en-US" altLang="zh-CN" sz="1600" dirty="0" smtClean="0"/>
-              <a:t>           </a:t>
-            </a:r>
-            <a:r>
-              <a:rPr lang="zh-CN" altLang="en-US" sz="1600" dirty="0" smtClean="0"/>
-              <a:t>上</a:t>
-            </a:r>
-            <a:r>
-              <a:rPr lang="zh-CN" altLang="en-US" sz="1600" dirty="0"/>
-              <a:t>右下左 设置值，没有单位</a:t>
-            </a:r>
-            <a:endParaRPr lang="en-US" altLang="zh-CN" sz="1600" dirty="0"/>
-          </a:p>
-          <a:p>
-            <a:r>
-              <a:rPr lang="en-US" altLang="zh-CN" dirty="0" smtClean="0"/>
-              <a:t>border-image-width           </a:t>
-            </a:r>
-            <a:r>
-              <a:rPr lang="zh-CN" altLang="en-US" sz="1600" dirty="0"/>
-              <a:t>图片</a:t>
-            </a:r>
-            <a:r>
-              <a:rPr lang="zh-CN" altLang="en-US" sz="1600" dirty="0"/>
-              <a:t>边框的宽度</a:t>
-            </a:r>
-            <a:r>
-              <a:rPr lang="zh-CN" altLang="en-US" sz="1600" dirty="0"/>
-              <a:t>。</a:t>
-            </a:r>
-            <a:endParaRPr lang="en-US" altLang="zh-CN" sz="1600" dirty="0"/>
-          </a:p>
-          <a:p>
-            <a:r>
-              <a:rPr lang="en-US" altLang="zh-CN" dirty="0" smtClean="0"/>
-              <a:t>border-image-outset             </a:t>
-            </a:r>
-            <a:r>
-              <a:rPr lang="zh-CN" altLang="en-US" sz="1600" dirty="0"/>
-              <a:t>边框</a:t>
-            </a:r>
-            <a:r>
-              <a:rPr lang="zh-CN" altLang="en-US" sz="1600" dirty="0"/>
-              <a:t>图像区域超出边框的量。</a:t>
-            </a:r>
-            <a:endParaRPr lang="en-US" altLang="zh-CN" sz="1600" dirty="0"/>
-          </a:p>
-          <a:p>
-            <a:endParaRPr lang="zh-CN" altLang="en-US" dirty="0"/>
+              <a:t>888888 inset;  </a:t>
+            </a:r>
+          </a:p>
+          <a:p>
+            <a:pPr lvl="1"/>
+            <a:r>
+              <a:rPr lang="zh-CN" altLang="en-US" sz="1400" dirty="0"/>
+              <a:t>水平</a:t>
+            </a:r>
+            <a:r>
+              <a:rPr lang="zh-CN" altLang="en-US" sz="1400" dirty="0" smtClean="0"/>
+              <a:t>偏移，</a:t>
+            </a:r>
+            <a:r>
+              <a:rPr lang="zh-CN" altLang="en-US" sz="1400" dirty="0"/>
+              <a:t>垂直偏移</a:t>
+            </a:r>
+            <a:r>
+              <a:rPr lang="zh-CN" altLang="en-US" sz="1400" dirty="0" smtClean="0"/>
+              <a:t>，模糊值，阴影大小，阴影颜色，内阴影</a:t>
+            </a:r>
+            <a:endParaRPr lang="zh-CN" altLang="en-US" sz="1400" dirty="0"/>
           </a:p>
         </p:txBody>
       </p:sp>
     </p:spTree>
     <p:extLst>
       <p:ext uri="{BB962C8B-B14F-4D97-AF65-F5344CB8AC3E}">
-        <p14:creationId xmlns:p14="http://schemas.microsoft.com/office/powerpoint/2010/main" val="173252699"/>
+        <p14:creationId xmlns:p14="http://schemas.microsoft.com/office/powerpoint/2010/main" val="3972733070"/>
       </p:ext>
     </p:extLst>
   </p:cSld>
@@ -4733,6 +4655,199 @@
           <a:p>
             <a:r>
               <a:rPr lang="en-US" altLang="zh-CN" dirty="0" smtClean="0"/>
+              <a:t>3</a:t>
+            </a:r>
+            <a:r>
+              <a:rPr lang="zh-CN" altLang="en-US" dirty="0" smtClean="0"/>
+              <a:t>、图片边框</a:t>
+            </a:r>
+            <a:endParaRPr lang="zh-CN" altLang="en-US" dirty="0"/>
+          </a:p>
+        </p:txBody>
+      </p:sp>
+      <p:sp>
+        <p:nvSpPr>
+          <p:cNvPr id="3" name="内容占位符 2"/>
+          <p:cNvSpPr>
+            <a:spLocks noGrp="1"/>
+          </p:cNvSpPr>
+          <p:nvPr>
+            <p:ph idx="1"/>
+          </p:nvPr>
+        </p:nvSpPr>
+        <p:spPr/>
+        <p:txBody>
+          <a:bodyPr/>
+          <a:lstStyle/>
+          <a:p>
+            <a:r>
+              <a:rPr lang="en-US" altLang="zh-CN" dirty="0" smtClean="0"/>
+              <a:t>border-image:</a:t>
+            </a:r>
+          </a:p>
+          <a:p>
+            <a:r>
+              <a:rPr lang="en-US" altLang="zh-CN" dirty="0" smtClean="0"/>
+              <a:t>border-image-source </a:t>
+            </a:r>
+            <a:r>
+              <a:rPr lang="en-US" altLang="zh-CN" dirty="0"/>
+              <a:t> </a:t>
+            </a:r>
+            <a:r>
+              <a:rPr lang="zh-CN" altLang="en-US" sz="1600" dirty="0"/>
+              <a:t>边框图片位置</a:t>
+            </a:r>
+            <a:endParaRPr lang="en-US" altLang="zh-CN" sz="1600" dirty="0"/>
+          </a:p>
+          <a:p>
+            <a:r>
+              <a:rPr lang="en-US" altLang="zh-CN" dirty="0" smtClean="0"/>
+              <a:t>border-image-repeat</a:t>
+            </a:r>
+            <a:r>
+              <a:rPr lang="en-US" altLang="zh-CN" dirty="0"/>
+              <a:t> </a:t>
+            </a:r>
+            <a:r>
+              <a:rPr lang="zh-CN" altLang="en-US" sz="1600" dirty="0"/>
+              <a:t>图片展现方式 平铺</a:t>
+            </a:r>
+            <a:r>
+              <a:rPr lang="en-US" altLang="zh-CN" sz="1600" dirty="0"/>
+              <a:t>(repeated)</a:t>
+            </a:r>
+            <a:r>
+              <a:rPr lang="zh-CN" altLang="en-US" sz="1600" dirty="0"/>
+              <a:t>、铺满</a:t>
+            </a:r>
+            <a:r>
+              <a:rPr lang="en-US" altLang="zh-CN" sz="1600" dirty="0"/>
+              <a:t>(rounded)</a:t>
+            </a:r>
+            <a:r>
+              <a:rPr lang="zh-CN" altLang="en-US" sz="1600" dirty="0"/>
+              <a:t>、拉伸</a:t>
+            </a:r>
+            <a:r>
+              <a:rPr lang="en-US" altLang="zh-CN" sz="1600" dirty="0"/>
+              <a:t>(stretched)</a:t>
+            </a:r>
+            <a:r>
+              <a:rPr lang="zh-CN" altLang="en-US" sz="1600" dirty="0"/>
+              <a:t>。</a:t>
+            </a:r>
+            <a:endParaRPr lang="en-US" altLang="zh-CN" sz="1600" dirty="0"/>
+          </a:p>
+          <a:p>
+            <a:r>
+              <a:rPr lang="en-US" altLang="zh-CN" dirty="0" smtClean="0"/>
+              <a:t>border-image-slice</a:t>
+            </a:r>
+            <a:r>
+              <a:rPr lang="en-US" altLang="zh-CN" sz="1600" dirty="0"/>
+              <a:t> </a:t>
+            </a:r>
+            <a:r>
+              <a:rPr lang="en-US" altLang="zh-CN" sz="1600" dirty="0" smtClean="0"/>
+              <a:t>           </a:t>
+            </a:r>
+            <a:r>
+              <a:rPr lang="zh-CN" altLang="en-US" sz="1600" dirty="0" smtClean="0"/>
+              <a:t>上</a:t>
+            </a:r>
+            <a:r>
+              <a:rPr lang="zh-CN" altLang="en-US" sz="1600" dirty="0"/>
+              <a:t>右下左 设置值，没有单位</a:t>
+            </a:r>
+            <a:endParaRPr lang="en-US" altLang="zh-CN" sz="1600" dirty="0"/>
+          </a:p>
+          <a:p>
+            <a:r>
+              <a:rPr lang="en-US" altLang="zh-CN" dirty="0" smtClean="0"/>
+              <a:t>border-image-width           </a:t>
+            </a:r>
+            <a:r>
+              <a:rPr lang="zh-CN" altLang="en-US" sz="1600" dirty="0"/>
+              <a:t>图片边框的宽度。</a:t>
+            </a:r>
+            <a:endParaRPr lang="en-US" altLang="zh-CN" sz="1600" dirty="0"/>
+          </a:p>
+          <a:p>
+            <a:r>
+              <a:rPr lang="en-US" altLang="zh-CN" dirty="0" smtClean="0"/>
+              <a:t>border-image-outset             </a:t>
+            </a:r>
+            <a:r>
+              <a:rPr lang="zh-CN" altLang="en-US" sz="1600" dirty="0"/>
+              <a:t>边框图像区域超出边框的量。</a:t>
+            </a:r>
+            <a:endParaRPr lang="en-US" altLang="zh-CN" sz="1600" dirty="0"/>
+          </a:p>
+          <a:p>
+            <a:endParaRPr lang="zh-CN" altLang="en-US" dirty="0"/>
+          </a:p>
+        </p:txBody>
+      </p:sp>
+    </p:spTree>
+    <p:extLst>
+      <p:ext uri="{BB962C8B-B14F-4D97-AF65-F5344CB8AC3E}">
+        <p14:creationId xmlns:p14="http://schemas.microsoft.com/office/powerpoint/2010/main" val="173252699"/>
+      </p:ext>
+    </p:extLst>
+  </p:cSld>
+  <p:clrMapOvr>
+    <a:masterClrMapping/>
+  </p:clrMapOvr>
+  <mc:AlternateContent xmlns:mc="http://schemas.openxmlformats.org/markup-compatibility/2006" xmlns:p14="http://schemas.microsoft.com/office/powerpoint/2010/main">
+    <mc:Choice Requires="p14">
+      <p:transition spd="med" p14:dur="700">
+        <p:fade/>
+      </p:transition>
+    </mc:Choice>
+    <mc:Fallback xmlns="">
+      <p:transition spd="med">
+        <p:fade/>
+      </p:transition>
+    </mc:Fallback>
+  </mc:AlternateContent>
+</p:sld>
+</file>
+
+<file path=ppt/slides/slide7.xml><?xml version="1.0" encoding="utf-8"?>
+<p:sld xmlns:a="http://schemas.openxmlformats.org/drawingml/2006/main" xmlns:r="http://schemas.openxmlformats.org/officeDocument/2006/relationships" xmlns:p="http://schemas.openxmlformats.org/presentationml/2006/main">
+  <p:cSld>
+    <p:spTree>
+      <p:nvGrpSpPr>
+        <p:cNvPr id="1" name=""/>
+        <p:cNvGrpSpPr/>
+        <p:nvPr/>
+      </p:nvGrpSpPr>
+      <p:grpSpPr>
+        <a:xfrm>
+          <a:off x="0" y="0"/>
+          <a:ext cx="0" cy="0"/>
+          <a:chOff x="0" y="0"/>
+          <a:chExt cx="0" cy="0"/>
+        </a:xfrm>
+      </p:grpSpPr>
+      <p:sp>
+        <p:nvSpPr>
+          <p:cNvPr id="2" name="标题 1"/>
+          <p:cNvSpPr>
+            <a:spLocks noGrp="1"/>
+          </p:cNvSpPr>
+          <p:nvPr>
+            <p:ph type="title"/>
+          </p:nvPr>
+        </p:nvSpPr>
+        <p:spPr/>
+        <p:txBody>
+          <a:bodyPr/>
+          <a:lstStyle/>
+          <a:p>
+            <a:r>
+              <a:rPr lang="en-US" altLang="zh-CN" dirty="0" smtClean="0"/>
               <a:t>border-image</a:t>
             </a:r>
             <a:endParaRPr lang="zh-CN" altLang="en-US" dirty="0"/>
@@ -4865,6 +4980,94 @@
     <p:extLst>
       <p:ext uri="{BB962C8B-B14F-4D97-AF65-F5344CB8AC3E}">
         <p14:creationId xmlns:p14="http://schemas.microsoft.com/office/powerpoint/2010/main" val="3985522715"/>
+      </p:ext>
+    </p:extLst>
+  </p:cSld>
+  <p:clrMapOvr>
+    <a:masterClrMapping/>
+  </p:clrMapOvr>
+  <mc:AlternateContent xmlns:mc="http://schemas.openxmlformats.org/markup-compatibility/2006" xmlns:p14="http://schemas.microsoft.com/office/powerpoint/2010/main">
+    <mc:Choice Requires="p14">
+      <p:transition spd="med" p14:dur="700">
+        <p:fade/>
+      </p:transition>
+    </mc:Choice>
+    <mc:Fallback xmlns="">
+      <p:transition spd="med">
+        <p:fade/>
+      </p:transition>
+    </mc:Fallback>
+  </mc:AlternateContent>
+</p:sld>
+</file>
+
+<file path=ppt/slides/slide8.xml><?xml version="1.0" encoding="utf-8"?>
+<p:sld xmlns:a="http://schemas.openxmlformats.org/drawingml/2006/main" xmlns:r="http://schemas.openxmlformats.org/officeDocument/2006/relationships" xmlns:p="http://schemas.openxmlformats.org/presentationml/2006/main">
+  <p:cSld>
+    <p:spTree>
+      <p:nvGrpSpPr>
+        <p:cNvPr id="1" name=""/>
+        <p:cNvGrpSpPr/>
+        <p:nvPr/>
+      </p:nvGrpSpPr>
+      <p:grpSpPr>
+        <a:xfrm>
+          <a:off x="0" y="0"/>
+          <a:ext cx="0" cy="0"/>
+          <a:chOff x="0" y="0"/>
+          <a:chExt cx="0" cy="0"/>
+        </a:xfrm>
+      </p:grpSpPr>
+      <p:sp>
+        <p:nvSpPr>
+          <p:cNvPr id="2" name="标题 1"/>
+          <p:cNvSpPr>
+            <a:spLocks noGrp="1"/>
+          </p:cNvSpPr>
+          <p:nvPr>
+            <p:ph type="title"/>
+          </p:nvPr>
+        </p:nvSpPr>
+        <p:spPr/>
+        <p:txBody>
+          <a:bodyPr/>
+          <a:lstStyle/>
+          <a:p>
+            <a:r>
+              <a:rPr lang="en-US" altLang="zh-CN" dirty="0" smtClean="0"/>
+              <a:t>2</a:t>
+            </a:r>
+            <a:r>
+              <a:rPr lang="zh-CN" altLang="en-US" dirty="0" smtClean="0"/>
+              <a:t>、背景</a:t>
+            </a:r>
+            <a:endParaRPr lang="zh-CN" altLang="en-US" dirty="0"/>
+          </a:p>
+        </p:txBody>
+      </p:sp>
+      <p:sp>
+        <p:nvSpPr>
+          <p:cNvPr id="3" name="内容占位符 2"/>
+          <p:cNvSpPr>
+            <a:spLocks noGrp="1"/>
+          </p:cNvSpPr>
+          <p:nvPr>
+            <p:ph idx="1"/>
+          </p:nvPr>
+        </p:nvSpPr>
+        <p:spPr/>
+        <p:txBody>
+          <a:bodyPr/>
+          <a:lstStyle/>
+          <a:p>
+            <a:endParaRPr lang="zh-CN" altLang="en-US"/>
+          </a:p>
+        </p:txBody>
+      </p:sp>
+    </p:spTree>
+    <p:extLst>
+      <p:ext uri="{BB962C8B-B14F-4D97-AF65-F5344CB8AC3E}">
+        <p14:creationId xmlns:p14="http://schemas.microsoft.com/office/powerpoint/2010/main" val="3038578751"/>
       </p:ext>
     </p:extLst>
   </p:cSld>

--- a/ppt/css3/css3.pptx
+++ b/ppt/css3/css3.pptx
@@ -4218,6 +4218,13 @@
       </p:transition>
     </mc:Fallback>
   </mc:AlternateContent>
+  <p:timing>
+    <p:tnLst>
+      <p:par>
+        <p:cTn id="1" dur="indefinite" restart="never" nodeType="tmRoot"/>
+      </p:par>
+    </p:tnLst>
+  </p:timing>
 </p:sld>
 </file>
 
@@ -5060,7 +5067,11 @@
           <a:bodyPr/>
           <a:lstStyle/>
           <a:p>
-            <a:endParaRPr lang="zh-CN" altLang="en-US"/>
+            <a:r>
+              <a:rPr lang="en-US" altLang="zh-CN" dirty="0" smtClean="0"/>
+              <a:t> </a:t>
+            </a:r>
+            <a:endParaRPr lang="zh-CN" altLang="en-US" dirty="0"/>
           </a:p>
         </p:txBody>
       </p:sp>

--- a/ppt/css3/css3.pptx
+++ b/ppt/css3/css3.pptx
@@ -5,10 +5,10 @@
     <p:sldMasterId id="2147483648" r:id="rId2"/>
   </p:sldMasterIdLst>
   <p:notesMasterIdLst>
-    <p:notesMasterId r:id="rId11"/>
+    <p:notesMasterId r:id="rId13"/>
   </p:notesMasterIdLst>
   <p:handoutMasterIdLst>
-    <p:handoutMasterId r:id="rId12"/>
+    <p:handoutMasterId r:id="rId14"/>
   </p:handoutMasterIdLst>
   <p:sldIdLst>
     <p:sldId id="256" r:id="rId3"/>
@@ -19,6 +19,8 @@
     <p:sldId id="268" r:id="rId8"/>
     <p:sldId id="269" r:id="rId9"/>
     <p:sldId id="271" r:id="rId10"/>
+    <p:sldId id="272" r:id="rId11"/>
+    <p:sldId id="273" r:id="rId12"/>
   </p:sldIdLst>
   <p:sldSz cx="12192000" cy="6858000"/>
   <p:notesSz cx="6858000" cy="9144000"/>
@@ -210,7 +212,7 @@
           <a:p>
             <a:fld id="{20EA5F0D-C1DC-412F-A146-DDB3A74B588F}" type="datetimeFigureOut">
               <a:rPr lang="en-US" altLang="zh-CN"/>
-              <a:t>11/29/2016</a:t>
+              <a:t>11/30/2016</a:t>
             </a:fld>
             <a:endParaRPr lang="zh-CN"/>
           </a:p>
@@ -374,7 +376,7 @@
           </a:lstStyle>
           <a:p>
             <a:fld id="{A8CDE508-72C8-4AB5-AA9C-1584D31690E0}" type="datetimeFigureOut">
-              <a:t>2016/11/29</a:t>
+              <a:t>2016/11/30</a:t>
             </a:fld>
             <a:endParaRPr lang="zh-CN"/>
           </a:p>
@@ -989,7 +991,7 @@
           <a:lstStyle/>
           <a:p>
             <a:fld id="{9E583DDF-CA54-461A-A486-592D2374C532}" type="datetimeFigureOut">
-              <a:t>2016/11/29</a:t>
+              <a:t>2016/11/30</a:t>
             </a:fld>
             <a:endParaRPr lang="zh-CN"/>
           </a:p>
@@ -1179,7 +1181,7 @@
           <a:lstStyle/>
           <a:p>
             <a:fld id="{9E583DDF-CA54-461A-A486-592D2374C532}" type="datetimeFigureOut">
-              <a:t>2016/11/29</a:t>
+              <a:t>2016/11/30</a:t>
             </a:fld>
             <a:endParaRPr lang="zh-CN"/>
           </a:p>
@@ -1359,7 +1361,7 @@
           <a:lstStyle/>
           <a:p>
             <a:fld id="{9E583DDF-CA54-461A-A486-592D2374C532}" type="datetimeFigureOut">
-              <a:t>2016/11/29</a:t>
+              <a:t>2016/11/30</a:t>
             </a:fld>
             <a:endParaRPr lang="zh-CN"/>
           </a:p>
@@ -1670,7 +1672,7 @@
           <a:lstStyle/>
           <a:p>
             <a:fld id="{9E583DDF-CA54-461A-A486-592D2374C532}" type="datetimeFigureOut">
-              <a:t>2016/11/29</a:t>
+              <a:t>2016/11/30</a:t>
             </a:fld>
             <a:endParaRPr lang="zh-CN"/>
           </a:p>
@@ -1977,7 +1979,7 @@
           <a:lstStyle/>
           <a:p>
             <a:fld id="{0A879FD0-C37A-4F50-8F3B-5FA0D9D0B42F}" type="datetimeFigureOut">
-              <a:t>2016/11/29</a:t>
+              <a:t>2016/11/30</a:t>
             </a:fld>
             <a:endParaRPr lang="zh-CN"/>
           </a:p>
@@ -2431,7 +2433,7 @@
           <a:lstStyle/>
           <a:p>
             <a:fld id="{9E583DDF-CA54-461A-A486-592D2374C532}" type="datetimeFigureOut">
-              <a:t>2016/11/29</a:t>
+              <a:t>2016/11/30</a:t>
             </a:fld>
             <a:endParaRPr lang="zh-CN"/>
           </a:p>
@@ -2566,7 +2568,7 @@
           <a:lstStyle/>
           <a:p>
             <a:fld id="{9E583DDF-CA54-461A-A486-592D2374C532}" type="datetimeFigureOut">
-              <a:t>2016/11/29</a:t>
+              <a:t>2016/11/30</a:t>
             </a:fld>
             <a:endParaRPr lang="zh-CN"/>
           </a:p>
@@ -2716,7 +2718,7 @@
           <a:lstStyle/>
           <a:p>
             <a:fld id="{9E583DDF-CA54-461A-A486-592D2374C532}" type="datetimeFigureOut">
-              <a:t>2016/11/29</a:t>
+              <a:t>2016/11/30</a:t>
             </a:fld>
             <a:endParaRPr lang="zh-CN"/>
           </a:p>
@@ -3012,7 +3014,7 @@
           <a:lstStyle/>
           <a:p>
             <a:fld id="{9E583DDF-CA54-461A-A486-592D2374C532}" type="datetimeFigureOut">
-              <a:t>2016/11/29</a:t>
+              <a:t>2016/11/30</a:t>
             </a:fld>
             <a:endParaRPr lang="zh-CN"/>
           </a:p>
@@ -3296,7 +3298,7 @@
           <a:lstStyle/>
           <a:p>
             <a:fld id="{9E583DDF-CA54-461A-A486-592D2374C532}" type="datetimeFigureOut">
-              <a:t>2016/11/29</a:t>
+              <a:t>2016/11/30</a:t>
             </a:fld>
             <a:endParaRPr lang="zh-CN"/>
           </a:p>
@@ -3569,7 +3571,7 @@
             <a:fld id="{9E583DDF-CA54-461A-A486-592D2374C532}" type="datetimeFigureOut">
               <a:rPr lang="en-US" altLang="zh-CN" smtClean="0"/>
               <a:pPr/>
-              <a:t>11/29/2016</a:t>
+              <a:t>11/30/2016</a:t>
             </a:fld>
             <a:endParaRPr lang="zh-CN" altLang="en-US"/>
           </a:p>
@@ -4096,6 +4098,94 @@
 </p:sld>
 </file>
 
+<file path=ppt/slides/slide10.xml><?xml version="1.0" encoding="utf-8"?>
+<p:sld xmlns:a="http://schemas.openxmlformats.org/drawingml/2006/main" xmlns:r="http://schemas.openxmlformats.org/officeDocument/2006/relationships" xmlns:p="http://schemas.openxmlformats.org/presentationml/2006/main">
+  <p:cSld>
+    <p:spTree>
+      <p:nvGrpSpPr>
+        <p:cNvPr id="1" name=""/>
+        <p:cNvGrpSpPr/>
+        <p:nvPr/>
+      </p:nvGrpSpPr>
+      <p:grpSpPr>
+        <a:xfrm>
+          <a:off x="0" y="0"/>
+          <a:ext cx="0" cy="0"/>
+          <a:chOff x="0" y="0"/>
+          <a:chExt cx="0" cy="0"/>
+        </a:xfrm>
+      </p:grpSpPr>
+      <p:sp>
+        <p:nvSpPr>
+          <p:cNvPr id="2" name="标题 1"/>
+          <p:cNvSpPr>
+            <a:spLocks noGrp="1"/>
+          </p:cNvSpPr>
+          <p:nvPr>
+            <p:ph type="title"/>
+          </p:nvPr>
+        </p:nvSpPr>
+        <p:spPr/>
+        <p:txBody>
+          <a:bodyPr/>
+          <a:lstStyle/>
+          <a:p>
+            <a:r>
+              <a:rPr lang="en-US" altLang="zh-CN" dirty="0" smtClean="0"/>
+              <a:t>4</a:t>
+            </a:r>
+            <a:r>
+              <a:rPr lang="zh-CN" altLang="en-US" dirty="0" smtClean="0"/>
+              <a:t>、字体</a:t>
+            </a:r>
+            <a:endParaRPr lang="zh-CN" altLang="en-US" dirty="0"/>
+          </a:p>
+        </p:txBody>
+      </p:sp>
+      <p:sp>
+        <p:nvSpPr>
+          <p:cNvPr id="3" name="内容占位符 2"/>
+          <p:cNvSpPr>
+            <a:spLocks noGrp="1"/>
+          </p:cNvSpPr>
+          <p:nvPr>
+            <p:ph idx="1"/>
+          </p:nvPr>
+        </p:nvSpPr>
+        <p:spPr/>
+        <p:txBody>
+          <a:bodyPr/>
+          <a:lstStyle/>
+          <a:p>
+            <a:endParaRPr lang="zh-CN" altLang="en-US" dirty="0"/>
+          </a:p>
+        </p:txBody>
+      </p:sp>
+    </p:spTree>
+    <p:extLst>
+      <p:ext uri="{BB962C8B-B14F-4D97-AF65-F5344CB8AC3E}">
+        <p14:creationId xmlns:p14="http://schemas.microsoft.com/office/powerpoint/2010/main" val="1676532206"/>
+      </p:ext>
+    </p:extLst>
+  </p:cSld>
+  <p:clrMapOvr>
+    <a:masterClrMapping/>
+  </p:clrMapOvr>
+  <mc:AlternateContent xmlns:mc="http://schemas.openxmlformats.org/markup-compatibility/2006" xmlns:p14="http://schemas.microsoft.com/office/powerpoint/2010/main">
+    <mc:Choice Requires="p14">
+      <p:transition spd="med" p14:dur="700">
+        <p:fade/>
+      </p:transition>
+    </mc:Choice>
+    <mc:Fallback xmlns="">
+      <p:transition spd="med">
+        <p:fade/>
+      </p:transition>
+    </mc:Fallback>
+  </mc:AlternateContent>
+</p:sld>
+</file>
+
 <file path=ppt/slides/slide2.xml><?xml version="1.0" encoding="utf-8"?>
 <p:sld xmlns:a="http://schemas.openxmlformats.org/drawingml/2006/main" xmlns:r="http://schemas.openxmlformats.org/officeDocument/2006/relationships" xmlns:p="http://schemas.openxmlformats.org/presentationml/2006/main">
   <p:cSld>
@@ -5079,6 +5169,94 @@
     <p:extLst>
       <p:ext uri="{BB962C8B-B14F-4D97-AF65-F5344CB8AC3E}">
         <p14:creationId xmlns:p14="http://schemas.microsoft.com/office/powerpoint/2010/main" val="3038578751"/>
+      </p:ext>
+    </p:extLst>
+  </p:cSld>
+  <p:clrMapOvr>
+    <a:masterClrMapping/>
+  </p:clrMapOvr>
+  <mc:AlternateContent xmlns:mc="http://schemas.openxmlformats.org/markup-compatibility/2006" xmlns:p14="http://schemas.microsoft.com/office/powerpoint/2010/main">
+    <mc:Choice Requires="p14">
+      <p:transition spd="med" p14:dur="700">
+        <p:fade/>
+      </p:transition>
+    </mc:Choice>
+    <mc:Fallback xmlns="">
+      <p:transition spd="med">
+        <p:fade/>
+      </p:transition>
+    </mc:Fallback>
+  </mc:AlternateContent>
+</p:sld>
+</file>
+
+<file path=ppt/slides/slide9.xml><?xml version="1.0" encoding="utf-8"?>
+<p:sld xmlns:a="http://schemas.openxmlformats.org/drawingml/2006/main" xmlns:r="http://schemas.openxmlformats.org/officeDocument/2006/relationships" xmlns:p="http://schemas.openxmlformats.org/presentationml/2006/main">
+  <p:cSld>
+    <p:spTree>
+      <p:nvGrpSpPr>
+        <p:cNvPr id="1" name=""/>
+        <p:cNvGrpSpPr/>
+        <p:nvPr/>
+      </p:nvGrpSpPr>
+      <p:grpSpPr>
+        <a:xfrm>
+          <a:off x="0" y="0"/>
+          <a:ext cx="0" cy="0"/>
+          <a:chOff x="0" y="0"/>
+          <a:chExt cx="0" cy="0"/>
+        </a:xfrm>
+      </p:grpSpPr>
+      <p:sp>
+        <p:nvSpPr>
+          <p:cNvPr id="2" name="标题 1"/>
+          <p:cNvSpPr>
+            <a:spLocks noGrp="1"/>
+          </p:cNvSpPr>
+          <p:nvPr>
+            <p:ph type="title"/>
+          </p:nvPr>
+        </p:nvSpPr>
+        <p:spPr/>
+        <p:txBody>
+          <a:bodyPr/>
+          <a:lstStyle/>
+          <a:p>
+            <a:r>
+              <a:rPr lang="en-US" altLang="zh-CN" dirty="0" smtClean="0"/>
+              <a:t>3</a:t>
+            </a:r>
+            <a:r>
+              <a:rPr lang="zh-CN" altLang="en-US" dirty="0" smtClean="0"/>
+              <a:t>、文本</a:t>
+            </a:r>
+            <a:endParaRPr lang="zh-CN" altLang="en-US" dirty="0"/>
+          </a:p>
+        </p:txBody>
+      </p:sp>
+      <p:sp>
+        <p:nvSpPr>
+          <p:cNvPr id="3" name="内容占位符 2"/>
+          <p:cNvSpPr>
+            <a:spLocks noGrp="1"/>
+          </p:cNvSpPr>
+          <p:nvPr>
+            <p:ph idx="1"/>
+          </p:nvPr>
+        </p:nvSpPr>
+        <p:spPr/>
+        <p:txBody>
+          <a:bodyPr/>
+          <a:lstStyle/>
+          <a:p>
+            <a:endParaRPr lang="zh-CN" altLang="en-US"/>
+          </a:p>
+        </p:txBody>
+      </p:sp>
+    </p:spTree>
+    <p:extLst>
+      <p:ext uri="{BB962C8B-B14F-4D97-AF65-F5344CB8AC3E}">
+        <p14:creationId xmlns:p14="http://schemas.microsoft.com/office/powerpoint/2010/main" val="1261634305"/>
       </p:ext>
     </p:extLst>
   </p:cSld>
